--- a/Pro lektory/Lekce04/Java-04.pptx
+++ b/Pro lektory/Lekce04/Java-04.pptx
@@ -5,41 +5,32 @@
     <p:sldMasterId id="2147483659" r:id="rId1"/>
   </p:sldMasterIdLst>
   <p:notesMasterIdLst>
-    <p:notesMasterId r:id="rId5"/>
+    <p:notesMasterId r:id="rId3"/>
   </p:notesMasterIdLst>
   <p:sldIdLst>
     <p:sldId id="256" r:id="rId2"/>
-    <p:sldId id="261" r:id="rId3"/>
-    <p:sldId id="269" r:id="rId4"/>
   </p:sldIdLst>
   <p:sldSz cx="12192000" cy="6858000"/>
   <p:notesSz cx="6858000" cy="9144000"/>
   <p:embeddedFontLst>
     <p:embeddedFont>
-      <p:font typeface="Open Sans" panose="020B0606030504020204" pitchFamily="34" charset="0"/>
-      <p:regular r:id="rId6"/>
-      <p:bold r:id="rId7"/>
-      <p:italic r:id="rId8"/>
-      <p:boldItalic r:id="rId9"/>
+      <p:font typeface="Calibri" pitchFamily="34" charset="0"/>
+      <p:regular r:id="rId4"/>
+      <p:bold r:id="rId5"/>
+      <p:italic r:id="rId6"/>
+      <p:boldItalic r:id="rId7"/>
     </p:embeddedFont>
     <p:embeddedFont>
-      <p:font typeface="Calibri" panose="020F0502020204030204" pitchFamily="34" charset="0"/>
-      <p:regular r:id="rId10"/>
-      <p:bold r:id="rId11"/>
-      <p:italic r:id="rId12"/>
-      <p:boldItalic r:id="rId13"/>
+      <p:font typeface="Open Sans" charset="0"/>
+      <p:regular r:id="rId8"/>
+      <p:bold r:id="rId9"/>
+      <p:italic r:id="rId10"/>
+      <p:boldItalic r:id="rId11"/>
     </p:embeddedFont>
     <p:embeddedFont>
-      <p:font typeface="Consolas" panose="020B0609020204030204" pitchFamily="49" charset="0"/>
-      <p:regular r:id="rId14"/>
-      <p:bold r:id="rId15"/>
-      <p:italic r:id="rId16"/>
-      <p:boldItalic r:id="rId17"/>
-    </p:embeddedFont>
-    <p:embeddedFont>
-      <p:font typeface="Amatic SC" panose="020B0604020202020204" charset="-79"/>
-      <p:regular r:id="rId18"/>
-      <p:bold r:id="rId19"/>
+      <p:font typeface="Amatic SC" charset="-79"/>
+      <p:regular r:id="rId12"/>
+      <p:bold r:id="rId13"/>
     </p:embeddedFont>
   </p:embeddedFontLst>
   <p:defaultTextStyle>
@@ -619,107 +610,6 @@
 </p:notes>
 </file>
 
-<file path=ppt/notesSlides/notesSlide2.xml><?xml version="1.0" encoding="utf-8"?>
-<p:notes xmlns:a="http://schemas.openxmlformats.org/drawingml/2006/main" xmlns:r="http://schemas.openxmlformats.org/officeDocument/2006/relationships" xmlns:p="http://schemas.openxmlformats.org/presentationml/2006/main" showMasterSp="0" showMasterPhAnim="0">
-  <p:cSld>
-    <p:spTree>
-      <p:nvGrpSpPr>
-        <p:cNvPr id="1" name="Shape 84"/>
-        <p:cNvGrpSpPr/>
-        <p:nvPr/>
-      </p:nvGrpSpPr>
-      <p:grpSpPr>
-        <a:xfrm>
-          <a:off x="0" y="0"/>
-          <a:ext cx="0" cy="0"/>
-          <a:chOff x="0" y="0"/>
-          <a:chExt cx="0" cy="0"/>
-        </a:xfrm>
-      </p:grpSpPr>
-      <p:sp>
-        <p:nvSpPr>
-          <p:cNvPr id="85" name="Shape 85"/>
-          <p:cNvSpPr>
-            <a:spLocks noGrp="1" noRot="1" noChangeAspect="1"/>
-          </p:cNvSpPr>
-          <p:nvPr>
-            <p:ph type="sldImg" idx="2"/>
-          </p:nvPr>
-        </p:nvSpPr>
-        <p:spPr>
-          <a:xfrm>
-            <a:off x="381000" y="685800"/>
-            <a:ext cx="6096000" cy="3429000"/>
-          </a:xfrm>
-          <a:custGeom>
-            <a:avLst/>
-            <a:gdLst/>
-            <a:ahLst/>
-            <a:cxnLst/>
-            <a:rect l="0" t="0" r="0" b="0"/>
-            <a:pathLst>
-              <a:path w="120000" h="120000" extrusionOk="0">
-                <a:moveTo>
-                  <a:pt x="0" y="0"/>
-                </a:moveTo>
-                <a:lnTo>
-                  <a:pt x="120000" y="0"/>
-                </a:lnTo>
-                <a:lnTo>
-                  <a:pt x="120000" y="120000"/>
-                </a:lnTo>
-                <a:lnTo>
-                  <a:pt x="0" y="120000"/>
-                </a:lnTo>
-                <a:close/>
-              </a:path>
-            </a:pathLst>
-          </a:custGeom>
-        </p:spPr>
-      </p:sp>
-      <p:sp>
-        <p:nvSpPr>
-          <p:cNvPr id="86" name="Shape 86"/>
-          <p:cNvSpPr txBox="1">
-            <a:spLocks noGrp="1"/>
-          </p:cNvSpPr>
-          <p:nvPr>
-            <p:ph type="body" idx="1"/>
-          </p:nvPr>
-        </p:nvSpPr>
-        <p:spPr>
-          <a:xfrm>
-            <a:off x="685800" y="4343400"/>
-            <a:ext cx="5486400" cy="4114800"/>
-          </a:xfrm>
-          <a:prstGeom prst="rect">
-            <a:avLst/>
-          </a:prstGeom>
-        </p:spPr>
-        <p:txBody>
-          <a:bodyPr wrap="square" lIns="91425" tIns="91425" rIns="91425" bIns="91425" anchor="t" anchorCtr="0">
-            <a:noAutofit/>
-          </a:bodyPr>
-          <a:lstStyle/>
-          <a:p>
-            <a:pPr lvl="0" rtl="0">
-              <a:spcBef>
-                <a:spcPts val="0"/>
-              </a:spcBef>
-              <a:buNone/>
-            </a:pPr>
-            <a:endParaRPr/>
-          </a:p>
-        </p:txBody>
-      </p:sp>
-    </p:spTree>
-  </p:cSld>
-  <p:clrMapOvr>
-    <a:masterClrMapping/>
-  </p:clrMapOvr>
-</p:notes>
-</file>
-
 <file path=ppt/slideLayouts/slideLayout1.xml><?xml version="1.0" encoding="utf-8"?>
 <p:sldLayout xmlns:a="http://schemas.openxmlformats.org/drawingml/2006/main" xmlns:r="http://schemas.openxmlformats.org/officeDocument/2006/relationships" xmlns:p="http://schemas.openxmlformats.org/presentationml/2006/main" type="title">
   <p:cSld name="Uvodni snimek napravo">
@@ -1097,34 +987,6 @@
           </a:p>
         </p:txBody>
       </p:sp>
-      <p:pic>
-        <p:nvPicPr>
-          <p:cNvPr id="12" name="Shape 12" descr="logoesfcrnatmavem.png"/>
-          <p:cNvPicPr preferRelativeResize="0"/>
-          <p:nvPr/>
-        </p:nvPicPr>
-        <p:blipFill>
-          <a:blip r:embed="rId3">
-            <a:alphaModFix/>
-          </a:blip>
-          <a:stretch>
-            <a:fillRect/>
-          </a:stretch>
-        </p:blipFill>
-        <p:spPr>
-          <a:xfrm>
-            <a:off x="5784574" y="551825"/>
-            <a:ext cx="3003150" cy="516475"/>
-          </a:xfrm>
-          <a:prstGeom prst="rect">
-            <a:avLst/>
-          </a:prstGeom>
-          <a:noFill/>
-          <a:ln>
-            <a:noFill/>
-          </a:ln>
-        </p:spPr>
-      </p:pic>
     </p:spTree>
   </p:cSld>
   <p:clrMapOvr>
@@ -1509,34 +1371,6 @@
           </a:p>
         </p:txBody>
       </p:sp>
-      <p:pic>
-        <p:nvPicPr>
-          <p:cNvPr id="16" name="Shape 16" descr="logoesfcrnatmavem.png"/>
-          <p:cNvPicPr preferRelativeResize="0"/>
-          <p:nvPr/>
-        </p:nvPicPr>
-        <p:blipFill>
-          <a:blip r:embed="rId3">
-            <a:alphaModFix/>
-          </a:blip>
-          <a:stretch>
-            <a:fillRect/>
-          </a:stretch>
-        </p:blipFill>
-        <p:spPr>
-          <a:xfrm>
-            <a:off x="5784574" y="551825"/>
-            <a:ext cx="3003150" cy="516475"/>
-          </a:xfrm>
-          <a:prstGeom prst="rect">
-            <a:avLst/>
-          </a:prstGeom>
-          <a:noFill/>
-          <a:ln>
-            <a:noFill/>
-          </a:ln>
-        </p:spPr>
-      </p:pic>
     </p:spTree>
   </p:cSld>
   <p:clrMapOvr>
@@ -1922,75 +1756,6 @@
           </a:p>
         </p:txBody>
       </p:sp>
-      <p:pic>
-        <p:nvPicPr>
-          <p:cNvPr id="20" name="Shape 20" descr="logoesfcrnatmavem.png"/>
-          <p:cNvPicPr preferRelativeResize="0"/>
-          <p:nvPr/>
-        </p:nvPicPr>
-        <p:blipFill>
-          <a:blip r:embed="rId3">
-            <a:alphaModFix/>
-          </a:blip>
-          <a:stretch>
-            <a:fillRect/>
-          </a:stretch>
-        </p:blipFill>
-        <p:spPr>
-          <a:xfrm>
-            <a:off x="4594425" y="551825"/>
-            <a:ext cx="3003150" cy="516475"/>
-          </a:xfrm>
-          <a:prstGeom prst="rect">
-            <a:avLst/>
-          </a:prstGeom>
-          <a:noFill/>
-          <a:ln>
-            <a:noFill/>
-          </a:ln>
-        </p:spPr>
-      </p:pic>
-      <p:pic>
-        <p:nvPicPr>
-          <p:cNvPr id="5" name="Picture 2" descr="C:\Prace\!Courses\332. Czechitas - Java 2 Web\Marketing - JetBrains\jetbrains_logos\logo_JetBrains_4.png"/>
-          <p:cNvPicPr>
-            <a:picLocks noChangeAspect="1" noChangeArrowheads="1"/>
-          </p:cNvPicPr>
-          <p:nvPr userDrawn="1"/>
-        </p:nvPicPr>
-        <p:blipFill>
-          <a:blip r:embed="rId4">
-            <a:extLst>
-              <a:ext uri="{28A0092B-C50C-407E-A947-70E740481C1C}">
-                <a14:useLocalDpi xmlns:a14="http://schemas.microsoft.com/office/drawing/2010/main" val="0"/>
-              </a:ext>
-            </a:extLst>
-          </a:blip>
-          <a:srcRect/>
-          <a:stretch>
-            <a:fillRect/>
-          </a:stretch>
-        </p:blipFill>
-        <p:spPr bwMode="auto">
-          <a:xfrm>
-            <a:off x="474390" y="-380563"/>
-            <a:ext cx="2381250" cy="2381250"/>
-          </a:xfrm>
-          <a:prstGeom prst="rect">
-            <a:avLst/>
-          </a:prstGeom>
-          <a:noFill/>
-          <a:extLst>
-            <a:ext uri="{909E8E84-426E-40DD-AFC4-6F175D3DCCD1}">
-              <a14:hiddenFill xmlns:a14="http://schemas.microsoft.com/office/drawing/2010/main">
-                <a:solidFill>
-                  <a:srgbClr val="FFFFFF"/>
-                </a:solidFill>
-              </a14:hiddenFill>
-            </a:ext>
-          </a:extLst>
-        </p:spPr>
-      </p:pic>
     </p:spTree>
   </p:cSld>
   <p:clrMapOvr>
@@ -2000,472 +1765,6 @@
 </file>
 
 <file path=ppt/slideLayouts/slideLayout4.xml><?xml version="1.0" encoding="utf-8"?>
-<p:sldLayout xmlns:a="http://schemas.openxmlformats.org/drawingml/2006/main" xmlns:r="http://schemas.openxmlformats.org/officeDocument/2006/relationships" xmlns:p="http://schemas.openxmlformats.org/presentationml/2006/main" type="obj">
-  <p:cSld name="Nadpis a obsah">
-    <p:bg>
-      <p:bgPr>
-        <a:blipFill>
-          <a:blip r:embed="rId2">
-            <a:alphaModFix/>
-          </a:blip>
-          <a:stretch>
-            <a:fillRect/>
-          </a:stretch>
-        </a:blipFill>
-        <a:effectLst/>
-      </p:bgPr>
-    </p:bg>
-    <p:spTree>
-      <p:nvGrpSpPr>
-        <p:cNvPr id="1" name="Shape 21"/>
-        <p:cNvGrpSpPr/>
-        <p:nvPr/>
-      </p:nvGrpSpPr>
-      <p:grpSpPr>
-        <a:xfrm>
-          <a:off x="0" y="0"/>
-          <a:ext cx="0" cy="0"/>
-          <a:chOff x="0" y="0"/>
-          <a:chExt cx="0" cy="0"/>
-        </a:xfrm>
-      </p:grpSpPr>
-      <p:sp>
-        <p:nvSpPr>
-          <p:cNvPr id="22" name="Shape 22"/>
-          <p:cNvSpPr txBox="1">
-            <a:spLocks noGrp="1"/>
-          </p:cNvSpPr>
-          <p:nvPr>
-            <p:ph type="body" idx="1"/>
-          </p:nvPr>
-        </p:nvSpPr>
-        <p:spPr>
-          <a:xfrm>
-            <a:off x="964659" y="1378150"/>
-            <a:ext cx="10134600" cy="4409805"/>
-          </a:xfrm>
-          <a:prstGeom prst="rect">
-            <a:avLst/>
-          </a:prstGeom>
-          <a:noFill/>
-          <a:ln>
-            <a:noFill/>
-          </a:ln>
-        </p:spPr>
-        <p:txBody>
-          <a:bodyPr wrap="square" lIns="91425" tIns="91425" rIns="91425" bIns="91425" anchor="ctr" anchorCtr="0"/>
-          <a:lstStyle>
-            <a:lvl1pPr marL="228600" marR="0" lvl="0" indent="-50800" algn="l" rtl="0">
-              <a:lnSpc>
-                <a:spcPct val="90000"/>
-              </a:lnSpc>
-              <a:spcBef>
-                <a:spcPts val="1000"/>
-              </a:spcBef>
-              <a:buClr>
-                <a:schemeClr val="dk1"/>
-              </a:buClr>
-              <a:buSzPct val="100000"/>
-              <a:buChar char="•"/>
-              <a:defRPr sz="2800" i="0" u="none" strike="noStrike" cap="none">
-                <a:solidFill>
-                  <a:schemeClr val="dk1"/>
-                </a:solidFill>
-              </a:defRPr>
-            </a:lvl1pPr>
-            <a:lvl2pPr marL="685800" marR="0" lvl="1" indent="-76200" algn="l" rtl="0">
-              <a:lnSpc>
-                <a:spcPct val="90000"/>
-              </a:lnSpc>
-              <a:spcBef>
-                <a:spcPts val="500"/>
-              </a:spcBef>
-              <a:buClr>
-                <a:schemeClr val="dk1"/>
-              </a:buClr>
-              <a:buSzPct val="100000"/>
-              <a:buChar char="•"/>
-              <a:defRPr sz="2400" i="0" u="none" strike="noStrike" cap="none">
-                <a:solidFill>
-                  <a:schemeClr val="dk1"/>
-                </a:solidFill>
-              </a:defRPr>
-            </a:lvl2pPr>
-            <a:lvl3pPr marL="1143000" marR="0" lvl="2" indent="-101600" algn="l" rtl="0">
-              <a:lnSpc>
-                <a:spcPct val="90000"/>
-              </a:lnSpc>
-              <a:spcBef>
-                <a:spcPts val="500"/>
-              </a:spcBef>
-              <a:buClr>
-                <a:schemeClr val="dk1"/>
-              </a:buClr>
-              <a:buSzPct val="100000"/>
-              <a:buChar char="•"/>
-              <a:defRPr sz="2000" i="0" u="none" strike="noStrike" cap="none">
-                <a:solidFill>
-                  <a:schemeClr val="dk1"/>
-                </a:solidFill>
-              </a:defRPr>
-            </a:lvl3pPr>
-            <a:lvl4pPr marL="1600200" marR="0" lvl="3" indent="-114300" algn="l" rtl="0">
-              <a:lnSpc>
-                <a:spcPct val="90000"/>
-              </a:lnSpc>
-              <a:spcBef>
-                <a:spcPts val="500"/>
-              </a:spcBef>
-              <a:buClr>
-                <a:schemeClr val="dk1"/>
-              </a:buClr>
-              <a:buSzPct val="100000"/>
-              <a:buChar char="•"/>
-              <a:defRPr sz="1800" i="0" u="none" strike="noStrike" cap="none">
-                <a:solidFill>
-                  <a:schemeClr val="dk1"/>
-                </a:solidFill>
-              </a:defRPr>
-            </a:lvl4pPr>
-            <a:lvl5pPr marL="2057400" marR="0" lvl="4" indent="-114300" algn="l" rtl="0">
-              <a:lnSpc>
-                <a:spcPct val="90000"/>
-              </a:lnSpc>
-              <a:spcBef>
-                <a:spcPts val="500"/>
-              </a:spcBef>
-              <a:buClr>
-                <a:schemeClr val="dk1"/>
-              </a:buClr>
-              <a:buSzPct val="100000"/>
-              <a:buChar char="•"/>
-              <a:defRPr sz="1800" i="0" u="none" strike="noStrike" cap="none">
-                <a:solidFill>
-                  <a:schemeClr val="dk1"/>
-                </a:solidFill>
-              </a:defRPr>
-            </a:lvl5pPr>
-            <a:lvl6pPr marL="2514600" marR="0" lvl="5" indent="-114300" algn="l" rtl="0">
-              <a:lnSpc>
-                <a:spcPct val="90000"/>
-              </a:lnSpc>
-              <a:spcBef>
-                <a:spcPts val="500"/>
-              </a:spcBef>
-              <a:buClr>
-                <a:schemeClr val="dk1"/>
-              </a:buClr>
-              <a:buSzPct val="100000"/>
-              <a:buChar char="•"/>
-              <a:defRPr sz="1800" i="0" u="none" strike="noStrike" cap="none">
-                <a:solidFill>
-                  <a:schemeClr val="dk1"/>
-                </a:solidFill>
-              </a:defRPr>
-            </a:lvl6pPr>
-            <a:lvl7pPr marL="2971800" marR="0" lvl="6" indent="-114300" algn="l" rtl="0">
-              <a:lnSpc>
-                <a:spcPct val="90000"/>
-              </a:lnSpc>
-              <a:spcBef>
-                <a:spcPts val="500"/>
-              </a:spcBef>
-              <a:buClr>
-                <a:schemeClr val="dk1"/>
-              </a:buClr>
-              <a:buSzPct val="100000"/>
-              <a:buChar char="•"/>
-              <a:defRPr sz="1800" i="0" u="none" strike="noStrike" cap="none">
-                <a:solidFill>
-                  <a:schemeClr val="dk1"/>
-                </a:solidFill>
-              </a:defRPr>
-            </a:lvl7pPr>
-            <a:lvl8pPr marL="3429000" marR="0" lvl="7" indent="-114300" algn="l" rtl="0">
-              <a:lnSpc>
-                <a:spcPct val="90000"/>
-              </a:lnSpc>
-              <a:spcBef>
-                <a:spcPts val="500"/>
-              </a:spcBef>
-              <a:buClr>
-                <a:schemeClr val="dk1"/>
-              </a:buClr>
-              <a:buSzPct val="100000"/>
-              <a:buChar char="•"/>
-              <a:defRPr sz="1800" i="0" u="none" strike="noStrike" cap="none">
-                <a:solidFill>
-                  <a:schemeClr val="dk1"/>
-                </a:solidFill>
-              </a:defRPr>
-            </a:lvl8pPr>
-            <a:lvl9pPr marL="3886200" marR="0" lvl="8" indent="-114300" algn="l" rtl="0">
-              <a:lnSpc>
-                <a:spcPct val="90000"/>
-              </a:lnSpc>
-              <a:spcBef>
-                <a:spcPts val="500"/>
-              </a:spcBef>
-              <a:buClr>
-                <a:schemeClr val="dk1"/>
-              </a:buClr>
-              <a:buSzPct val="100000"/>
-              <a:buChar char="•"/>
-              <a:defRPr sz="1800" i="0" u="none" strike="noStrike" cap="none">
-                <a:solidFill>
-                  <a:schemeClr val="dk1"/>
-                </a:solidFill>
-              </a:defRPr>
-            </a:lvl9pPr>
-          </a:lstStyle>
-          <a:p>
-            <a:endParaRPr/>
-          </a:p>
-        </p:txBody>
-      </p:sp>
-      <p:sp>
-        <p:nvSpPr>
-          <p:cNvPr id="23" name="Shape 23"/>
-          <p:cNvSpPr txBox="1">
-            <a:spLocks noGrp="1"/>
-          </p:cNvSpPr>
-          <p:nvPr>
-            <p:ph type="sldNum" idx="12"/>
-          </p:nvPr>
-        </p:nvSpPr>
-        <p:spPr>
-          <a:xfrm>
-            <a:off x="8356059" y="6292850"/>
-            <a:ext cx="2835815" cy="365125"/>
-          </a:xfrm>
-          <a:prstGeom prst="rect">
-            <a:avLst/>
-          </a:prstGeom>
-          <a:noFill/>
-          <a:ln>
-            <a:noFill/>
-          </a:ln>
-        </p:spPr>
-        <p:txBody>
-          <a:bodyPr wrap="square" lIns="91425" tIns="45700" rIns="91425" bIns="45700" anchor="ctr" anchorCtr="0">
-            <a:noAutofit/>
-          </a:bodyPr>
-          <a:lstStyle/>
-          <a:p>
-            <a:pPr marL="0" marR="0" lvl="0" indent="0" algn="r" rtl="0">
-              <a:spcBef>
-                <a:spcPts val="0"/>
-              </a:spcBef>
-              <a:buSzPct val="25000"/>
-              <a:buNone/>
-            </a:pPr>
-            <a:fld id="{00000000-1234-1234-1234-123412341234}" type="slidenum">
-              <a:rPr lang="en-US" sz="1200" b="0" i="0" u="none" strike="noStrike" cap="none">
-                <a:solidFill>
-                  <a:srgbClr val="888888"/>
-                </a:solidFill>
-                <a:latin typeface="Calibri"/>
-                <a:ea typeface="Calibri"/>
-                <a:cs typeface="Calibri"/>
-                <a:sym typeface="Calibri"/>
-              </a:rPr>
-              <a:t>‹#›</a:t>
-            </a:fld>
-            <a:endParaRPr lang="en-US" sz="1200" b="0" i="0" u="none" strike="noStrike" cap="none">
-              <a:solidFill>
-                <a:srgbClr val="888888"/>
-              </a:solidFill>
-              <a:latin typeface="Calibri"/>
-              <a:ea typeface="Calibri"/>
-              <a:cs typeface="Calibri"/>
-              <a:sym typeface="Calibri"/>
-            </a:endParaRPr>
-          </a:p>
-        </p:txBody>
-      </p:sp>
-      <p:sp>
-        <p:nvSpPr>
-          <p:cNvPr id="24" name="Shape 24"/>
-          <p:cNvSpPr txBox="1">
-            <a:spLocks noGrp="1"/>
-          </p:cNvSpPr>
-          <p:nvPr>
-            <p:ph type="title"/>
-          </p:nvPr>
-        </p:nvSpPr>
-        <p:spPr>
-          <a:xfrm>
-            <a:off x="964659" y="528468"/>
-            <a:ext cx="8325300" cy="821700"/>
-          </a:xfrm>
-          <a:prstGeom prst="rect">
-            <a:avLst/>
-          </a:prstGeom>
-          <a:noFill/>
-          <a:ln>
-            <a:noFill/>
-          </a:ln>
-        </p:spPr>
-        <p:txBody>
-          <a:bodyPr wrap="square" lIns="91425" tIns="91425" rIns="91425" bIns="91425" anchor="ctr" anchorCtr="0"/>
-          <a:lstStyle>
-            <a:lvl1pPr marL="0" marR="0" lvl="0" indent="0" algn="l" rtl="0">
-              <a:lnSpc>
-                <a:spcPct val="90000"/>
-              </a:lnSpc>
-              <a:spcBef>
-                <a:spcPts val="0"/>
-              </a:spcBef>
-              <a:buClr>
-                <a:srgbClr val="2B3990"/>
-              </a:buClr>
-              <a:buNone/>
-              <a:defRPr sz="3200" i="0" u="none" strike="noStrike" cap="none">
-                <a:solidFill>
-                  <a:srgbClr val="2B3990"/>
-                </a:solidFill>
-              </a:defRPr>
-            </a:lvl1pPr>
-            <a:lvl2pPr lvl="1" indent="0" rtl="0">
-              <a:spcBef>
-                <a:spcPts val="0"/>
-              </a:spcBef>
-              <a:buNone/>
-              <a:defRPr sz="1800"/>
-            </a:lvl2pPr>
-            <a:lvl3pPr lvl="2" indent="0" rtl="0">
-              <a:spcBef>
-                <a:spcPts val="0"/>
-              </a:spcBef>
-              <a:buNone/>
-              <a:defRPr sz="1800"/>
-            </a:lvl3pPr>
-            <a:lvl4pPr lvl="3" indent="0" rtl="0">
-              <a:spcBef>
-                <a:spcPts val="0"/>
-              </a:spcBef>
-              <a:buNone/>
-              <a:defRPr sz="1800"/>
-            </a:lvl4pPr>
-            <a:lvl5pPr lvl="4" indent="0" rtl="0">
-              <a:spcBef>
-                <a:spcPts val="0"/>
-              </a:spcBef>
-              <a:buNone/>
-              <a:defRPr sz="1800"/>
-            </a:lvl5pPr>
-            <a:lvl6pPr lvl="5" indent="0" rtl="0">
-              <a:spcBef>
-                <a:spcPts val="0"/>
-              </a:spcBef>
-              <a:buNone/>
-              <a:defRPr sz="1800"/>
-            </a:lvl6pPr>
-            <a:lvl7pPr lvl="6" indent="0" rtl="0">
-              <a:spcBef>
-                <a:spcPts val="0"/>
-              </a:spcBef>
-              <a:buNone/>
-              <a:defRPr sz="1800"/>
-            </a:lvl7pPr>
-            <a:lvl8pPr lvl="7" indent="0" rtl="0">
-              <a:spcBef>
-                <a:spcPts val="0"/>
-              </a:spcBef>
-              <a:buNone/>
-              <a:defRPr sz="1800"/>
-            </a:lvl8pPr>
-            <a:lvl9pPr lvl="8" indent="0" rtl="0">
-              <a:spcBef>
-                <a:spcPts val="0"/>
-              </a:spcBef>
-              <a:buNone/>
-              <a:defRPr sz="1800"/>
-            </a:lvl9pPr>
-          </a:lstStyle>
-          <a:p>
-            <a:endParaRPr/>
-          </a:p>
-        </p:txBody>
-      </p:sp>
-      <p:pic>
-        <p:nvPicPr>
-          <p:cNvPr id="25" name="Shape 25" descr="Logo-OPZ-barevné_170816_163502.jpg"/>
-          <p:cNvPicPr preferRelativeResize="0"/>
-          <p:nvPr/>
-        </p:nvPicPr>
-        <p:blipFill>
-          <a:blip r:embed="rId3">
-            <a:alphaModFix/>
-          </a:blip>
-          <a:stretch>
-            <a:fillRect/>
-          </a:stretch>
-        </p:blipFill>
-        <p:spPr>
-          <a:xfrm>
-            <a:off x="1079775" y="5965974"/>
-            <a:ext cx="2835824" cy="589870"/>
-          </a:xfrm>
-          <a:prstGeom prst="rect">
-            <a:avLst/>
-          </a:prstGeom>
-          <a:noFill/>
-          <a:ln>
-            <a:noFill/>
-          </a:ln>
-        </p:spPr>
-      </p:pic>
-      <p:pic>
-        <p:nvPicPr>
-          <p:cNvPr id="6" name="Picture 2" descr="C:\Prace\!Courses\332. Czechitas - Java 2 Web\Marketing - JetBrains\jetbrains_logos\logo_JetBrains_4.png"/>
-          <p:cNvPicPr>
-            <a:picLocks noChangeAspect="1" noChangeArrowheads="1"/>
-          </p:cNvPicPr>
-          <p:nvPr userDrawn="1"/>
-        </p:nvPicPr>
-        <p:blipFill>
-          <a:blip r:embed="rId4">
-            <a:extLst>
-              <a:ext uri="{28A0092B-C50C-407E-A947-70E740481C1C}">
-                <a14:useLocalDpi xmlns:a14="http://schemas.microsoft.com/office/drawing/2010/main" val="0"/>
-              </a:ext>
-            </a:extLst>
-          </a:blip>
-          <a:srcRect/>
-          <a:stretch>
-            <a:fillRect/>
-          </a:stretch>
-        </p:blipFill>
-        <p:spPr bwMode="auto">
-          <a:xfrm>
-            <a:off x="9264352" y="5048548"/>
-            <a:ext cx="2381250" cy="2381250"/>
-          </a:xfrm>
-          <a:prstGeom prst="rect">
-            <a:avLst/>
-          </a:prstGeom>
-          <a:noFill/>
-          <a:extLst>
-            <a:ext uri="{909E8E84-426E-40DD-AFC4-6F175D3DCCD1}">
-              <a14:hiddenFill xmlns:a14="http://schemas.microsoft.com/office/drawing/2010/main">
-                <a:solidFill>
-                  <a:srgbClr val="FFFFFF"/>
-                </a:solidFill>
-              </a14:hiddenFill>
-            </a:ext>
-          </a:extLst>
-        </p:spPr>
-      </p:pic>
-    </p:spTree>
-  </p:cSld>
-  <p:clrMapOvr>
-    <a:masterClrMapping/>
-  </p:clrMapOvr>
-</p:sldLayout>
-</file>
-
-<file path=ppt/slideLayouts/slideLayout5.xml><?xml version="1.0" encoding="utf-8"?>
 <p:sldLayout xmlns:a="http://schemas.openxmlformats.org/drawingml/2006/main" xmlns:r="http://schemas.openxmlformats.org/officeDocument/2006/relationships" xmlns:p="http://schemas.openxmlformats.org/presentationml/2006/main">
   <p:cSld name="Zahlavi casti na stred">
     <p:bg>
@@ -2885,34 +2184,6 @@
           </a:p>
         </p:txBody>
       </p:sp>
-      <p:pic>
-        <p:nvPicPr>
-          <p:cNvPr id="30" name="Shape 30" descr="Logo-OPZ-barevné_170816_163502.jpg"/>
-          <p:cNvPicPr preferRelativeResize="0"/>
-          <p:nvPr/>
-        </p:nvPicPr>
-        <p:blipFill>
-          <a:blip r:embed="rId3">
-            <a:alphaModFix/>
-          </a:blip>
-          <a:stretch>
-            <a:fillRect/>
-          </a:stretch>
-        </p:blipFill>
-        <p:spPr>
-          <a:xfrm>
-            <a:off x="1079775" y="5965974"/>
-            <a:ext cx="2835824" cy="589870"/>
-          </a:xfrm>
-          <a:prstGeom prst="rect">
-            <a:avLst/>
-          </a:prstGeom>
-          <a:noFill/>
-          <a:ln>
-            <a:noFill/>
-          </a:ln>
-        </p:spPr>
-      </p:pic>
     </p:spTree>
   </p:cSld>
   <p:clrMapOvr>
@@ -2921,7 +2192,7 @@
 </p:sldLayout>
 </file>
 
-<file path=ppt/slideLayouts/slideLayout6.xml><?xml version="1.0" encoding="utf-8"?>
+<file path=ppt/slideLayouts/slideLayout5.xml><?xml version="1.0" encoding="utf-8"?>
 <p:sldLayout xmlns:a="http://schemas.openxmlformats.org/drawingml/2006/main" xmlns:r="http://schemas.openxmlformats.org/officeDocument/2006/relationships" xmlns:p="http://schemas.openxmlformats.org/presentationml/2006/main">
   <p:cSld name="Heslo na bilem">
     <p:bg>
@@ -3121,34 +2392,6 @@
           </a:p>
         </p:txBody>
       </p:sp>
-      <p:pic>
-        <p:nvPicPr>
-          <p:cNvPr id="39" name="Shape 39" descr="Logo-OPZ-barevné_170816_163502.jpg"/>
-          <p:cNvPicPr preferRelativeResize="0"/>
-          <p:nvPr/>
-        </p:nvPicPr>
-        <p:blipFill>
-          <a:blip r:embed="rId3">
-            <a:alphaModFix/>
-          </a:blip>
-          <a:stretch>
-            <a:fillRect/>
-          </a:stretch>
-        </p:blipFill>
-        <p:spPr>
-          <a:xfrm>
-            <a:off x="1079775" y="5965974"/>
-            <a:ext cx="2835824" cy="589870"/>
-          </a:xfrm>
-          <a:prstGeom prst="rect">
-            <a:avLst/>
-          </a:prstGeom>
-          <a:noFill/>
-          <a:ln>
-            <a:noFill/>
-          </a:ln>
-        </p:spPr>
-      </p:pic>
     </p:spTree>
   </p:cSld>
   <p:clrMapOvr>
@@ -3157,7 +2400,7 @@
 </p:sldLayout>
 </file>
 
-<file path=ppt/slideLayouts/slideLayout7.xml><?xml version="1.0" encoding="utf-8"?>
+<file path=ppt/slideLayouts/slideLayout6.xml><?xml version="1.0" encoding="utf-8"?>
 <p:sldLayout xmlns:a="http://schemas.openxmlformats.org/drawingml/2006/main" xmlns:r="http://schemas.openxmlformats.org/officeDocument/2006/relationships" xmlns:p="http://schemas.openxmlformats.org/presentationml/2006/main">
   <p:cSld name="Obrazek s titulkem">
     <p:bg>
@@ -3583,34 +2826,6 @@
           </a:p>
         </p:txBody>
       </p:sp>
-      <p:pic>
-        <p:nvPicPr>
-          <p:cNvPr id="54" name="Shape 54" descr="Logo-OPZ-barevné_170816_163502.jpg"/>
-          <p:cNvPicPr preferRelativeResize="0"/>
-          <p:nvPr/>
-        </p:nvPicPr>
-        <p:blipFill>
-          <a:blip r:embed="rId3">
-            <a:alphaModFix/>
-          </a:blip>
-          <a:stretch>
-            <a:fillRect/>
-          </a:stretch>
-        </p:blipFill>
-        <p:spPr>
-          <a:xfrm>
-            <a:off x="1079775" y="5965974"/>
-            <a:ext cx="2835824" cy="589870"/>
-          </a:xfrm>
-          <a:prstGeom prst="rect">
-            <a:avLst/>
-          </a:prstGeom>
-          <a:noFill/>
-          <a:ln>
-            <a:noFill/>
-          </a:ln>
-        </p:spPr>
-      </p:pic>
     </p:spTree>
   </p:cSld>
   <p:clrMapOvr>
@@ -3625,7 +2840,7 @@
     <p:bg>
       <p:bgPr>
         <a:blipFill>
-          <a:blip r:embed="rId9">
+          <a:blip r:embed="rId8">
             <a:alphaModFix/>
           </a:blip>
           <a:stretch>
@@ -4015,10 +3230,9 @@
     <p:sldLayoutId id="2147483648" r:id="rId1"/>
     <p:sldLayoutId id="2147483649" r:id="rId2"/>
     <p:sldLayoutId id="2147483650" r:id="rId3"/>
-    <p:sldLayoutId id="2147483651" r:id="rId4"/>
-    <p:sldLayoutId id="2147483652" r:id="rId5"/>
-    <p:sldLayoutId id="2147483654" r:id="rId6"/>
-    <p:sldLayoutId id="2147483658" r:id="rId7"/>
+    <p:sldLayoutId id="2147483652" r:id="rId4"/>
+    <p:sldLayoutId id="2147483654" r:id="rId5"/>
+    <p:sldLayoutId id="2147483658" r:id="rId6"/>
   </p:sldLayoutIdLst>
   <p:hf sldNum="0" hdr="0" ftr="0" dt="0"/>
   <p:txStyles>
@@ -4513,7 +3727,7 @@
               <a:buNone/>
             </a:pPr>
             <a:r>
-              <a:rPr lang="cs-CZ" sz="8800" smtClean="0">
+              <a:rPr lang="cs-CZ" sz="8800" dirty="0" smtClean="0">
                 <a:effectLst>
                   <a:outerShdw blurRad="38100" dist="38100" dir="2700000" algn="tl">
                     <a:srgbClr val="000000">
@@ -4525,7 +3739,7 @@
               <a:t>Java 1 – Lekce </a:t>
             </a:r>
             <a:r>
-              <a:rPr lang="cs-CZ" sz="8800" smtClean="0">
+              <a:rPr lang="en-US" sz="8800" smtClean="0">
                 <a:effectLst>
                   <a:outerShdw blurRad="38100" dist="38100" dir="2700000" algn="tl">
                     <a:srgbClr val="000000">
@@ -4536,7 +3750,7 @@
               </a:rPr>
               <a:t>04</a:t>
             </a:r>
-            <a:endParaRPr lang="en-US" sz="8800">
+            <a:endParaRPr lang="en-US" sz="8800" dirty="0">
               <a:effectLst>
                 <a:outerShdw blurRad="38100" dist="38100" dir="2700000" algn="tl">
                   <a:srgbClr val="000000">
@@ -4604,473 +3818,6 @@
         </p:txBody>
       </p:sp>
     </p:spTree>
-  </p:cSld>
-  <p:clrMapOvr>
-    <a:masterClrMapping/>
-  </p:clrMapOvr>
-</p:sld>
-</file>
-
-<file path=ppt/slides/slide2.xml><?xml version="1.0" encoding="utf-8"?>
-<p:sld xmlns:a="http://schemas.openxmlformats.org/drawingml/2006/main" xmlns:r="http://schemas.openxmlformats.org/officeDocument/2006/relationships" xmlns:p="http://schemas.openxmlformats.org/presentationml/2006/main">
-  <p:cSld>
-    <p:spTree>
-      <p:nvGrpSpPr>
-        <p:cNvPr id="1" name="Shape 87"/>
-        <p:cNvGrpSpPr/>
-        <p:nvPr/>
-      </p:nvGrpSpPr>
-      <p:grpSpPr>
-        <a:xfrm>
-          <a:off x="0" y="0"/>
-          <a:ext cx="0" cy="0"/>
-          <a:chOff x="0" y="0"/>
-          <a:chExt cx="0" cy="0"/>
-        </a:xfrm>
-      </p:grpSpPr>
-      <p:sp>
-        <p:nvSpPr>
-          <p:cNvPr id="88" name="Shape 88"/>
-          <p:cNvSpPr txBox="1">
-            <a:spLocks noGrp="1"/>
-          </p:cNvSpPr>
-          <p:nvPr>
-            <p:ph type="body" idx="1"/>
-          </p:nvPr>
-        </p:nvSpPr>
-        <p:spPr>
-          <a:xfrm>
-            <a:off x="964659" y="1378150"/>
-            <a:ext cx="10134600" cy="4409700"/>
-          </a:xfrm>
-          <a:prstGeom prst="rect">
-            <a:avLst/>
-          </a:prstGeom>
-        </p:spPr>
-        <p:txBody>
-          <a:bodyPr wrap="square" lIns="91425" tIns="91425" rIns="91425" bIns="91425" anchor="ctr" anchorCtr="0">
-            <a:normAutofit lnSpcReduction="10000"/>
-          </a:bodyPr>
-          <a:lstStyle/>
-          <a:p>
-            <a:pPr marL="0" indent="0">
-              <a:buNone/>
-            </a:pPr>
-            <a:r>
-              <a:rPr lang="cs-CZ"/>
-              <a:t>Náš web: </a:t>
-            </a:r>
-            <a:r>
-              <a:rPr lang="cs-CZ" b="1"/>
-              <a:t>http://javabrno.czechitas.cz</a:t>
-            </a:r>
-            <a:r>
-              <a:rPr lang="cs-CZ" b="1" smtClean="0"/>
-              <a:t>/</a:t>
-            </a:r>
-            <a:endParaRPr lang="cs-CZ" b="1"/>
-          </a:p>
-          <a:p>
-            <a:pPr marL="0" indent="0">
-              <a:buNone/>
-            </a:pPr>
-            <a:endParaRPr lang="cs-CZ" smtClean="0"/>
-          </a:p>
-          <a:p>
-            <a:pPr marL="0" indent="0">
-              <a:buNone/>
-            </a:pPr>
-            <a:r>
-              <a:rPr lang="cs-CZ" smtClean="0"/>
-              <a:t>Zip z webu (výše) vybalte do</a:t>
-            </a:r>
-            <a:br>
-              <a:rPr lang="cs-CZ" smtClean="0"/>
-            </a:br>
-            <a:r>
-              <a:rPr lang="cs-CZ" b="1" smtClean="0"/>
-              <a:t>C:\Java-Training</a:t>
-            </a:r>
-            <a:r>
-              <a:rPr lang="cs-CZ" smtClean="0"/>
-              <a:t> (Windows) nebo </a:t>
-            </a:r>
-            <a:r>
-              <a:rPr lang="cs-CZ" b="1" smtClean="0"/>
-              <a:t>/Users/TVUJ_UZIVATEL/Java-Training</a:t>
-            </a:r>
-            <a:r>
-              <a:rPr lang="cs-CZ" smtClean="0"/>
-              <a:t> (Mac)</a:t>
-            </a:r>
-            <a:endParaRPr lang="cs-CZ"/>
-          </a:p>
-          <a:p>
-            <a:pPr marL="0" indent="0">
-              <a:buNone/>
-            </a:pPr>
-            <a:endParaRPr lang="cs-CZ"/>
-          </a:p>
-          <a:p>
-            <a:pPr marL="0" indent="0">
-              <a:buNone/>
-            </a:pPr>
-            <a:r>
-              <a:rPr lang="cs-CZ"/>
-              <a:t>WIFI: </a:t>
-            </a:r>
-            <a:r>
-              <a:rPr lang="cs-CZ" b="1">
-                <a:latin typeface="Consolas" pitchFamily="49" charset="0"/>
-                <a:cs typeface="Consolas" pitchFamily="49" charset="0"/>
-              </a:rPr>
-              <a:t>WLAN_FI</a:t>
-            </a:r>
-          </a:p>
-          <a:p>
-            <a:pPr marL="457200" lvl="1" indent="0">
-              <a:buNone/>
-            </a:pPr>
-            <a:r>
-              <a:rPr lang="cs-CZ"/>
-              <a:t>Po připojení běžte na </a:t>
-            </a:r>
-            <a:r>
-              <a:rPr lang="cs-CZ" b="1">
-                <a:latin typeface="Consolas" pitchFamily="49" charset="0"/>
-                <a:cs typeface="Consolas" pitchFamily="49" charset="0"/>
-              </a:rPr>
-              <a:t>http://wifi.fi.muni.cz/</a:t>
-            </a:r>
-          </a:p>
-          <a:p>
-            <a:pPr marL="457200" lvl="1" indent="0">
-              <a:buNone/>
-            </a:pPr>
-            <a:r>
-              <a:rPr lang="cs-CZ"/>
-              <a:t>Login: </a:t>
-            </a:r>
-            <a:r>
-              <a:rPr lang="cs-CZ" b="1">
-                <a:latin typeface="Consolas" pitchFamily="49" charset="0"/>
-                <a:cs typeface="Consolas" pitchFamily="49" charset="0"/>
-              </a:rPr>
-              <a:t>kurzczechitas</a:t>
-            </a:r>
-          </a:p>
-          <a:p>
-            <a:pPr marL="457200" lvl="1" indent="0">
-              <a:buNone/>
-            </a:pPr>
-            <a:r>
-              <a:rPr lang="cs-CZ"/>
-              <a:t>Heslo: </a:t>
-            </a:r>
-            <a:r>
-              <a:rPr lang="cs-CZ" b="1" smtClean="0">
-                <a:latin typeface="Consolas" pitchFamily="49" charset="0"/>
-                <a:cs typeface="Consolas" pitchFamily="49" charset="0"/>
-              </a:rPr>
-              <a:t>allyearround</a:t>
-            </a:r>
-            <a:endParaRPr lang="cs-CZ" b="1">
-              <a:latin typeface="Consolas" pitchFamily="49" charset="0"/>
-              <a:cs typeface="Consolas" pitchFamily="49" charset="0"/>
-            </a:endParaRPr>
-          </a:p>
-        </p:txBody>
-      </p:sp>
-      <p:sp>
-        <p:nvSpPr>
-          <p:cNvPr id="89" name="Shape 89"/>
-          <p:cNvSpPr txBox="1">
-            <a:spLocks noGrp="1"/>
-          </p:cNvSpPr>
-          <p:nvPr>
-            <p:ph type="title"/>
-          </p:nvPr>
-        </p:nvSpPr>
-        <p:spPr>
-          <a:xfrm>
-            <a:off x="964659" y="528468"/>
-            <a:ext cx="8325300" cy="821700"/>
-          </a:xfrm>
-          <a:prstGeom prst="rect">
-            <a:avLst/>
-          </a:prstGeom>
-        </p:spPr>
-        <p:txBody>
-          <a:bodyPr wrap="square" lIns="91425" tIns="91425" rIns="91425" bIns="91425" anchor="ctr" anchorCtr="0">
-            <a:noAutofit/>
-          </a:bodyPr>
-          <a:lstStyle/>
-          <a:p>
-            <a:pPr lvl="0" rtl="0">
-              <a:spcBef>
-                <a:spcPts val="0"/>
-              </a:spcBef>
-              <a:buNone/>
-            </a:pPr>
-            <a:r>
-              <a:rPr lang="cs-CZ" smtClean="0"/>
-              <a:t>Kurz Java 1</a:t>
-            </a:r>
-            <a:endParaRPr lang="en-US"/>
-          </a:p>
-        </p:txBody>
-      </p:sp>
-    </p:spTree>
-  </p:cSld>
-  <p:clrMapOvr>
-    <a:masterClrMapping/>
-  </p:clrMapOvr>
-</p:sld>
-</file>
-
-<file path=ppt/slides/slide3.xml><?xml version="1.0" encoding="utf-8"?>
-<p:sld xmlns:a="http://schemas.openxmlformats.org/drawingml/2006/main" xmlns:r="http://schemas.openxmlformats.org/officeDocument/2006/relationships" xmlns:p="http://schemas.openxmlformats.org/presentationml/2006/main">
-  <p:cSld>
-    <p:spTree>
-      <p:nvGrpSpPr>
-        <p:cNvPr id="1" name=""/>
-        <p:cNvGrpSpPr/>
-        <p:nvPr/>
-      </p:nvGrpSpPr>
-      <p:grpSpPr>
-        <a:xfrm>
-          <a:off x="0" y="0"/>
-          <a:ext cx="0" cy="0"/>
-          <a:chOff x="0" y="0"/>
-          <a:chExt cx="0" cy="0"/>
-        </a:xfrm>
-      </p:grpSpPr>
-      <p:sp>
-        <p:nvSpPr>
-          <p:cNvPr id="3" name="Title 2"/>
-          <p:cNvSpPr>
-            <a:spLocks noGrp="1"/>
-          </p:cNvSpPr>
-          <p:nvPr>
-            <p:ph type="title"/>
-          </p:nvPr>
-        </p:nvSpPr>
-        <p:spPr/>
-        <p:txBody>
-          <a:bodyPr/>
-          <a:lstStyle/>
-          <a:p>
-            <a:r>
-              <a:rPr lang="cs-CZ" smtClean="0"/>
-              <a:t>Termíny lekcí</a:t>
-            </a:r>
-            <a:endParaRPr lang="cs-CZ"/>
-          </a:p>
-        </p:txBody>
-      </p:sp>
-      <p:sp>
-        <p:nvSpPr>
-          <p:cNvPr id="4" name="Content Placeholder 2"/>
-          <p:cNvSpPr>
-            <a:spLocks noGrp="1"/>
-          </p:cNvSpPr>
-          <p:nvPr>
-            <p:ph type="body" idx="1"/>
-          </p:nvPr>
-        </p:nvSpPr>
-        <p:spPr>
-          <a:xfrm>
-            <a:off x="1271464" y="1340768"/>
-            <a:ext cx="9971810" cy="4409805"/>
-          </a:xfrm>
-        </p:spPr>
-        <p:txBody>
-          <a:bodyPr>
-            <a:normAutofit fontScale="77500" lnSpcReduction="20000"/>
-          </a:bodyPr>
-          <a:lstStyle/>
-          <a:p>
-            <a:pPr marL="0" indent="0">
-              <a:buNone/>
-              <a:tabLst>
-                <a:tab pos="500063" algn="l"/>
-                <a:tab pos="1001713" algn="l"/>
-              </a:tabLst>
-            </a:pPr>
-            <a:r>
-              <a:rPr lang="cs-CZ" smtClean="0"/>
-              <a:t>  4.	10.	2018</a:t>
-            </a:r>
-          </a:p>
-          <a:p>
-            <a:pPr marL="0" indent="0">
-              <a:buNone/>
-              <a:tabLst>
-                <a:tab pos="500063" algn="l"/>
-                <a:tab pos="1001713" algn="l"/>
-              </a:tabLst>
-            </a:pPr>
-            <a:r>
-              <a:rPr lang="cs-CZ" smtClean="0"/>
-              <a:t>11.	10.	2018</a:t>
-            </a:r>
-          </a:p>
-          <a:p>
-            <a:pPr marL="0" indent="0">
-              <a:buNone/>
-              <a:tabLst>
-                <a:tab pos="500063" algn="l"/>
-                <a:tab pos="1001713" algn="l"/>
-              </a:tabLst>
-            </a:pPr>
-            <a:r>
-              <a:rPr lang="cs-CZ" smtClean="0"/>
-              <a:t>18.	10</a:t>
-            </a:r>
-            <a:r>
-              <a:rPr lang="cs-CZ" smtClean="0"/>
-              <a:t>.	</a:t>
-            </a:r>
-            <a:r>
-              <a:rPr lang="cs-CZ" smtClean="0"/>
-              <a:t>2018</a:t>
-            </a:r>
-          </a:p>
-          <a:p>
-            <a:pPr marL="0" indent="0">
-              <a:buNone/>
-              <a:tabLst>
-                <a:tab pos="500063" algn="l"/>
-                <a:tab pos="1001713" algn="l"/>
-              </a:tabLst>
-            </a:pPr>
-            <a:r>
-              <a:rPr lang="cs-CZ" b="1" smtClean="0"/>
-              <a:t>25.	10.	2018</a:t>
-            </a:r>
-            <a:r>
-              <a:rPr lang="cs-CZ" b="1"/>
-              <a:t> (dnešní lekce)</a:t>
-            </a:r>
-            <a:endParaRPr lang="cs-CZ" b="1" smtClean="0"/>
-          </a:p>
-          <a:p>
-            <a:pPr marL="0" indent="0">
-              <a:buNone/>
-              <a:tabLst>
-                <a:tab pos="500063" algn="l"/>
-                <a:tab pos="1001713" algn="l"/>
-              </a:tabLst>
-            </a:pPr>
-            <a:r>
-              <a:rPr lang="cs-CZ" smtClean="0"/>
-              <a:t>  </a:t>
-            </a:r>
-            <a:r>
-              <a:rPr lang="cs-CZ" smtClean="0"/>
-              <a:t>1.	11.	2018</a:t>
-            </a:r>
-          </a:p>
-          <a:p>
-            <a:pPr marL="0" indent="0">
-              <a:buNone/>
-              <a:tabLst>
-                <a:tab pos="500063" algn="l"/>
-                <a:tab pos="1001713" algn="l"/>
-              </a:tabLst>
-            </a:pPr>
-            <a:r>
-              <a:rPr lang="cs-CZ" smtClean="0"/>
-              <a:t>  8.	11.	2018</a:t>
-            </a:r>
-          </a:p>
-          <a:p>
-            <a:pPr marL="0" indent="0">
-              <a:buNone/>
-              <a:tabLst>
-                <a:tab pos="500063" algn="l"/>
-                <a:tab pos="1001713" algn="l"/>
-              </a:tabLst>
-            </a:pPr>
-            <a:r>
-              <a:rPr lang="cs-CZ" smtClean="0"/>
-              <a:t>15.	11.	2018</a:t>
-            </a:r>
-          </a:p>
-          <a:p>
-            <a:pPr marL="0" indent="0">
-              <a:buNone/>
-              <a:tabLst>
-                <a:tab pos="500063" algn="l"/>
-                <a:tab pos="1001713" algn="l"/>
-              </a:tabLst>
-            </a:pPr>
-            <a:r>
-              <a:rPr lang="cs-CZ" smtClean="0"/>
-              <a:t>22.	11.	2018</a:t>
-            </a:r>
-          </a:p>
-          <a:p>
-            <a:pPr marL="0" indent="0">
-              <a:buNone/>
-              <a:tabLst>
-                <a:tab pos="500063" algn="l"/>
-                <a:tab pos="1001713" algn="l"/>
-              </a:tabLst>
-            </a:pPr>
-            <a:r>
-              <a:rPr lang="cs-CZ" smtClean="0"/>
-              <a:t>29.	11.	2018</a:t>
-            </a:r>
-          </a:p>
-          <a:p>
-            <a:pPr marL="0" indent="0">
-              <a:buNone/>
-              <a:tabLst>
-                <a:tab pos="500063" algn="l"/>
-                <a:tab pos="1001713" algn="l"/>
-              </a:tabLst>
-            </a:pPr>
-            <a:r>
-              <a:rPr lang="cs-CZ" smtClean="0"/>
-              <a:t>  6.	12.	2018</a:t>
-            </a:r>
-          </a:p>
-          <a:p>
-            <a:pPr marL="514350" indent="-514350">
-              <a:buAutoNum type="arabicPeriod" startAt="13"/>
-              <a:tabLst>
-                <a:tab pos="500063" algn="l"/>
-                <a:tab pos="1001713" algn="l"/>
-              </a:tabLst>
-            </a:pPr>
-            <a:r>
-              <a:rPr lang="cs-CZ" smtClean="0"/>
-              <a:t>12.	2018</a:t>
-            </a:r>
-          </a:p>
-          <a:p>
-            <a:pPr marL="0" indent="0">
-              <a:buNone/>
-              <a:tabLst>
-                <a:tab pos="500063" algn="l"/>
-                <a:tab pos="1001713" algn="l"/>
-              </a:tabLst>
-            </a:pPr>
-            <a:r>
-              <a:rPr lang="cs-CZ" smtClean="0"/>
-              <a:t>20.	12.	2018</a:t>
-            </a:r>
-            <a:endParaRPr lang="cs-CZ"/>
-          </a:p>
-        </p:txBody>
-      </p:sp>
-    </p:spTree>
-    <p:extLst>
-      <p:ext uri="{BB962C8B-B14F-4D97-AF65-F5344CB8AC3E}">
-        <p14:creationId xmlns:p14="http://schemas.microsoft.com/office/powerpoint/2010/main" val="761195533"/>
-      </p:ext>
-    </p:extLst>
   </p:cSld>
   <p:clrMapOvr>
     <a:masterClrMapping/>
